--- a/doc/Architecture.pptx
+++ b/doc/Architecture.pptx
@@ -6006,15 +6006,16 @@
             <a:r>
               <a:rPr lang="pt-PT" sz="2400" b="1" dirty="0">
                 <a:solidFill>
-                  <a:schemeClr val="bg1">
-                    <a:lumMod val="85000"/>
+                  <a:schemeClr val="accent2">
+                    <a:lumMod val="60000"/>
+                    <a:lumOff val="40000"/>
                   </a:schemeClr>
                 </a:solidFill>
                 <a:latin typeface="Arial" panose="020B0604020202020204" pitchFamily="34" charset="0"/>
                 <a:ea typeface="Gotham Light" charset="0"/>
                 <a:cs typeface="Arial" panose="020B0604020202020204" pitchFamily="34" charset="0"/>
               </a:rPr>
-              <a:t>Arquitetura de Referência</a:t>
+              <a:t>Arquitetura</a:t>
             </a:r>
           </a:p>
         </p:txBody>
@@ -6707,7 +6708,7 @@
                 <a:latin typeface="Arial" panose="020B0604020202020204" pitchFamily="34" charset="0"/>
                 <a:cs typeface="Arial" panose="020B0604020202020204" pitchFamily="34" charset="0"/>
               </a:rPr>
-              <a:t>Cidadão</a:t>
+              <a:t>Cliente</a:t>
             </a:r>
           </a:p>
         </p:txBody>
@@ -6726,7 +6727,7 @@
         </p:nvSpPr>
         <p:spPr>
           <a:xfrm>
-            <a:off x="1119499" y="3412659"/>
+            <a:off x="1114115" y="3927574"/>
             <a:ext cx="816210" cy="590130"/>
           </a:xfrm>
           <a:prstGeom prst="roundRect">
@@ -6781,7 +6782,7 @@
                 <a:latin typeface="Arial" panose="020B0604020202020204" pitchFamily="34" charset="0"/>
                 <a:cs typeface="Arial" panose="020B0604020202020204" pitchFamily="34" charset="0"/>
               </a:rPr>
-              <a:t>Entidade Externa</a:t>
+              <a:t>Colaboradores</a:t>
             </a:r>
           </a:p>
         </p:txBody>
@@ -6855,7 +6856,7 @@
                 <a:latin typeface="Arial" panose="020B0604020202020204" pitchFamily="34" charset="0"/>
                 <a:cs typeface="Arial" panose="020B0604020202020204" pitchFamily="34" charset="0"/>
               </a:rPr>
-              <a:t>Funcionário</a:t>
+              <a:t>Administrador</a:t>
             </a:r>
             <a:br>
               <a:rPr lang="pt-PT" sz="700" dirty="0">
@@ -6958,7 +6959,7 @@
         </p:blipFill>
         <p:spPr>
           <a:xfrm>
-            <a:off x="1430425" y="3723067"/>
+            <a:off x="1430425" y="4184626"/>
             <a:ext cx="194356" cy="222122"/>
           </a:xfrm>
           <a:prstGeom prst="rect">
@@ -6993,7 +6994,7 @@
           </a:solidFill>
           <a:ln w="19050">
             <a:solidFill>
-              <a:schemeClr val="accent6"/>
+              <a:srgbClr val="FF0000"/>
             </a:solidFill>
           </a:ln>
           <a:effectLst/>
@@ -7030,14 +7031,12 @@
             <a:r>
               <a:rPr lang="pt-PT" sz="700" dirty="0">
                 <a:solidFill>
-                  <a:schemeClr val="accent6">
-                    <a:lumMod val="75000"/>
-                  </a:schemeClr>
+                  <a:schemeClr val="tx1"/>
                 </a:solidFill>
                 <a:latin typeface="Arial" panose="020B0604020202020204" pitchFamily="34" charset="0"/>
                 <a:cs typeface="Arial" panose="020B0604020202020204" pitchFamily="34" charset="0"/>
               </a:rPr>
-              <a:t>Portal</a:t>
+              <a:t>App Web</a:t>
             </a:r>
           </a:p>
         </p:txBody>
@@ -7143,87 +7142,6 @@
           </a:solidFill>
           <a:ln w="19050">
             <a:solidFill>
-              <a:schemeClr val="accent6"/>
-            </a:solidFill>
-          </a:ln>
-          <a:effectLst/>
-        </p:spPr>
-        <p:style>
-          <a:lnRef idx="2">
-            <a:schemeClr val="accent1">
-              <a:shade val="50000"/>
-            </a:schemeClr>
-          </a:lnRef>
-          <a:fillRef idx="1">
-            <a:schemeClr val="accent1"/>
-          </a:fillRef>
-          <a:effectRef idx="0">
-            <a:schemeClr val="accent1"/>
-          </a:effectRef>
-          <a:fontRef idx="minor">
-            <a:schemeClr val="lt1"/>
-          </a:fontRef>
-        </p:style>
-        <p:txBody>
-          <a:bodyPr lIns="72000" tIns="72000" rIns="72000" bIns="72000" anchor="t"/>
-          <a:lstStyle/>
-          <a:p>
-            <a:pPr marL="1588" indent="-1588" algn="ctr" fontAlgn="base">
-              <a:lnSpc>
-                <a:spcPct val="90000"/>
-              </a:lnSpc>
-              <a:spcAft>
-                <a:spcPct val="0"/>
-              </a:spcAft>
-              <a:defRPr/>
-            </a:pPr>
-            <a:r>
-              <a:rPr lang="pt-PT" sz="700" dirty="0" err="1">
-                <a:solidFill>
-                  <a:srgbClr val="000000"/>
-                </a:solidFill>
-                <a:latin typeface="Arial" panose="020B0604020202020204" pitchFamily="34" charset="0"/>
-                <a:cs typeface="Arial" panose="020B0604020202020204" pitchFamily="34" charset="0"/>
-              </a:rPr>
-              <a:t>Backoffice</a:t>
-            </a:r>
-            <a:endParaRPr lang="pt-PT" sz="700" dirty="0">
-              <a:solidFill>
-                <a:srgbClr val="000000"/>
-              </a:solidFill>
-              <a:latin typeface="Arial" panose="020B0604020202020204" pitchFamily="34" charset="0"/>
-              <a:cs typeface="Arial" panose="020B0604020202020204" pitchFamily="34" charset="0"/>
-            </a:endParaRPr>
-          </a:p>
-        </p:txBody>
-      </p:sp>
-      <p:sp>
-        <p:nvSpPr>
-          <p:cNvPr id="66" name="Rounded Rectangle 132">
-            <a:extLst>
-              <a:ext uri="{FF2B5EF4-FFF2-40B4-BE49-F238E27FC236}">
-                <a16:creationId xmlns:a16="http://schemas.microsoft.com/office/drawing/2014/main" id="{CD2C4F1E-7D22-4668-A58B-C44F4147E844}"/>
-              </a:ext>
-            </a:extLst>
-          </p:cNvPr>
-          <p:cNvSpPr/>
-          <p:nvPr/>
-        </p:nvSpPr>
-        <p:spPr>
-          <a:xfrm>
-            <a:off x="5091299" y="1881003"/>
-            <a:ext cx="816210" cy="590130"/>
-          </a:xfrm>
-          <a:prstGeom prst="roundRect">
-            <a:avLst>
-              <a:gd name="adj" fmla="val 20709"/>
-            </a:avLst>
-          </a:prstGeom>
-          <a:solidFill>
-            <a:schemeClr val="bg1"/>
-          </a:solidFill>
-          <a:ln w="19050">
-            <a:solidFill>
               <a:srgbClr val="FF0000"/>
             </a:solidFill>
           </a:ln>
@@ -7266,14 +7184,14 @@
                 <a:latin typeface="Arial" panose="020B0604020202020204" pitchFamily="34" charset="0"/>
                 <a:cs typeface="Arial" panose="020B0604020202020204" pitchFamily="34" charset="0"/>
               </a:rPr>
-              <a:t>Pesquisas</a:t>
+              <a:t>Back office</a:t>
             </a:r>
           </a:p>
         </p:txBody>
       </p:sp>
       <p:sp>
         <p:nvSpPr>
-          <p:cNvPr id="67" name="Rounded Rectangle 132">
+          <p:cNvPr id="66" name="Rounded Rectangle 132">
             <a:extLst>
               <a:ext uri="{FF2B5EF4-FFF2-40B4-BE49-F238E27FC236}">
                 <a16:creationId xmlns:a16="http://schemas.microsoft.com/office/drawing/2014/main" id="{CD2C4F1E-7D22-4668-A58B-C44F4147E844}"/>
@@ -7285,7 +7203,7 @@
         </p:nvSpPr>
         <p:spPr>
           <a:xfrm>
-            <a:off x="5091299" y="5705539"/>
+            <a:off x="5091299" y="1881003"/>
             <a:ext cx="816210" cy="590130"/>
           </a:xfrm>
           <a:prstGeom prst="roundRect">
@@ -7333,7 +7251,81 @@
               <a:defRPr/>
             </a:pPr>
             <a:r>
-              <a:rPr lang="pt-PT" sz="700" dirty="0" err="1">
+              <a:rPr lang="pt-PT" sz="700" dirty="0">
+                <a:solidFill>
+                  <a:srgbClr val="000000"/>
+                </a:solidFill>
+                <a:latin typeface="Arial" panose="020B0604020202020204" pitchFamily="34" charset="0"/>
+                <a:cs typeface="Arial" panose="020B0604020202020204" pitchFamily="34" charset="0"/>
+              </a:rPr>
+              <a:t>Pesquisas</a:t>
+            </a:r>
+          </a:p>
+        </p:txBody>
+      </p:sp>
+      <p:sp>
+        <p:nvSpPr>
+          <p:cNvPr id="67" name="Rounded Rectangle 132">
+            <a:extLst>
+              <a:ext uri="{FF2B5EF4-FFF2-40B4-BE49-F238E27FC236}">
+                <a16:creationId xmlns:a16="http://schemas.microsoft.com/office/drawing/2014/main" id="{CD2C4F1E-7D22-4668-A58B-C44F4147E844}"/>
+              </a:ext>
+            </a:extLst>
+          </p:cNvPr>
+          <p:cNvSpPr/>
+          <p:nvPr/>
+        </p:nvSpPr>
+        <p:spPr>
+          <a:xfrm>
+            <a:off x="5091299" y="5705539"/>
+            <a:ext cx="816210" cy="590130"/>
+          </a:xfrm>
+          <a:prstGeom prst="roundRect">
+            <a:avLst>
+              <a:gd name="adj" fmla="val 20709"/>
+            </a:avLst>
+          </a:prstGeom>
+          <a:solidFill>
+            <a:schemeClr val="bg1"/>
+          </a:solidFill>
+          <a:ln w="19050">
+            <a:solidFill>
+              <a:srgbClr val="FF0000"/>
+            </a:solidFill>
+          </a:ln>
+          <a:effectLst/>
+        </p:spPr>
+        <p:style>
+          <a:lnRef idx="2">
+            <a:schemeClr val="accent1">
+              <a:shade val="50000"/>
+            </a:schemeClr>
+          </a:lnRef>
+          <a:fillRef idx="1">
+            <a:schemeClr val="accent1"/>
+          </a:fillRef>
+          <a:effectRef idx="0">
+            <a:schemeClr val="accent1"/>
+          </a:effectRef>
+          <a:fontRef idx="minor">
+            <a:schemeClr val="lt1"/>
+          </a:fontRef>
+        </p:style>
+        <p:txBody>
+          <a:bodyPr lIns="72000" tIns="72000" rIns="72000" bIns="72000" anchor="t"/>
+          <a:lstStyle/>
+          <a:p>
+            <a:pPr marL="1588" indent="-1588" algn="ctr" fontAlgn="base">
+              <a:lnSpc>
+                <a:spcPct val="90000"/>
+              </a:lnSpc>
+              <a:spcAft>
+                <a:spcPct val="0"/>
+              </a:spcAft>
+              <a:defRPr/>
+            </a:pPr>
+            <a:r>
+              <a:rPr lang="pt-PT" sz="700" dirty="0">
                 <a:solidFill>
                   <a:srgbClr val="000000"/>
                 </a:solidFill>
@@ -7342,13 +7334,6 @@
               </a:rPr>
               <a:t>Perfilagem</a:t>
             </a:r>
-            <a:endParaRPr lang="pt-PT" sz="700" dirty="0">
-              <a:solidFill>
-                <a:srgbClr val="000000"/>
-              </a:solidFill>
-              <a:latin typeface="Arial" panose="020B0604020202020204" pitchFamily="34" charset="0"/>
-              <a:cs typeface="Arial" panose="020B0604020202020204" pitchFamily="34" charset="0"/>
-            </a:endParaRPr>
           </a:p>
         </p:txBody>
       </p:sp>
@@ -7564,7 +7549,7 @@
               </a:spcAft>
             </a:pPr>
             <a:r>
-              <a:rPr lang="pt-PT" sz="700" dirty="0" err="1">
+              <a:rPr lang="pt-PT" sz="700" dirty="0">
                 <a:solidFill>
                   <a:srgbClr val="000000"/>
                 </a:solidFill>
@@ -7573,13 +7558,6 @@
               </a:rPr>
               <a:t>Logging</a:t>
             </a:r>
-            <a:endParaRPr lang="pt-PT" sz="700" dirty="0">
-              <a:solidFill>
-                <a:srgbClr val="000000"/>
-              </a:solidFill>
-              <a:latin typeface="Arial" panose="020B0604020202020204" pitchFamily="34" charset="0"/>
-              <a:cs typeface="Arial" panose="020B0604020202020204" pitchFamily="34" charset="0"/>
-            </a:endParaRPr>
           </a:p>
         </p:txBody>
       </p:sp>
@@ -7800,22 +7778,15 @@
               </a:spcAft>
             </a:pPr>
             <a:r>
-              <a:rPr lang="pt-PT" sz="700" dirty="0" err="1">
+              <a:rPr lang="pt-PT" sz="700" dirty="0">
                 <a:solidFill>
                   <a:srgbClr val="000000"/>
                 </a:solidFill>
                 <a:latin typeface="Arial" panose="020B0604020202020204" pitchFamily="34" charset="0"/>
                 <a:cs typeface="Arial" panose="020B0604020202020204" pitchFamily="34" charset="0"/>
               </a:rPr>
-              <a:t>Storage</a:t>
+              <a:t>Data Storage</a:t>
             </a:r>
-            <a:endParaRPr lang="pt-PT" sz="700" dirty="0">
-              <a:solidFill>
-                <a:srgbClr val="000000"/>
-              </a:solidFill>
-              <a:latin typeface="Arial" panose="020B0604020202020204" pitchFamily="34" charset="0"/>
-              <a:cs typeface="Arial" panose="020B0604020202020204" pitchFamily="34" charset="0"/>
-            </a:endParaRPr>
           </a:p>
         </p:txBody>
       </p:sp>
@@ -10982,14 +10953,15 @@
             </a:extLst>
           </p:cNvPr>
           <p:cNvCxnSpPr>
-            <a:stCxn id="58" idx="0"/>
+            <a:cxnSpLocks/>
+            <a:stCxn id="58" idx="3"/>
           </p:cNvCxnSpPr>
           <p:nvPr/>
         </p:nvCxnSpPr>
         <p:spPr>
-          <a:xfrm rot="5400000" flipH="1" flipV="1">
-            <a:off x="1625014" y="2883299"/>
-            <a:ext cx="431950" cy="626770"/>
+          <a:xfrm flipV="1">
+            <a:off x="1930325" y="2734516"/>
+            <a:ext cx="217848" cy="1488123"/>
           </a:xfrm>
           <a:prstGeom prst="bentConnector2">
             <a:avLst/>
@@ -11191,7 +11163,7 @@
                 <a:latin typeface="Arial" panose="020B0604020202020204" pitchFamily="34" charset="0"/>
                 <a:cs typeface="Arial" panose="020B0604020202020204" pitchFamily="34" charset="0"/>
               </a:rPr>
-              <a:t>API Calendário</a:t>
+              <a:t>API JSON Data</a:t>
             </a:r>
           </a:p>
         </p:txBody>
@@ -12910,13 +12882,13 @@
   <p:clrMapOvr>
     <a:masterClrMapping/>
   </p:clrMapOvr>
-  <mc:AlternateContent xmlns:mc="http://schemas.openxmlformats.org/markup-compatibility/2006">
-    <mc:Choice xmlns:p14="http://schemas.microsoft.com/office/powerpoint/2010/main" Requires="p14">
+  <mc:AlternateContent xmlns:mc="http://schemas.openxmlformats.org/markup-compatibility/2006" xmlns:p14="http://schemas.microsoft.com/office/powerpoint/2010/main">
+    <mc:Choice Requires="p14">
       <p:transition spd="med" p14:dur="700">
         <p:fade/>
       </p:transition>
     </mc:Choice>
-    <mc:Fallback>
+    <mc:Fallback xmlns="">
       <p:transition spd="med">
         <p:fade/>
       </p:transition>
@@ -14046,23 +14018,6 @@
 </file>
 
 <file path=customXml/item1.xml><?xml version="1.0" encoding="utf-8"?>
-<?mso-contentType ?>
-<FormTemplates xmlns="http://schemas.microsoft.com/sharepoint/v3/contenttype/forms">
-  <Display>DocumentLibraryForm</Display>
-  <Edit>DocumentLibraryForm</Edit>
-  <New>DocumentLibraryForm</New>
-</FormTemplates>
-</file>
-
-<file path=customXml/item2.xml><?xml version="1.0" encoding="utf-8"?>
-<p:properties xmlns:p="http://schemas.microsoft.com/office/2006/metadata/properties" xmlns:xsi="http://www.w3.org/2001/XMLSchema-instance" xmlns:pc="http://schemas.microsoft.com/office/infopath/2007/PartnerControls">
-  <documentManagement>
-    <MediaServiceKeyPoints xmlns="71af3243-3dd4-4a8d-8c0d-dd76da1f02a5" xsi:nil="true"/>
-  </documentManagement>
-</p:properties>
-</file>
-
-<file path=customXml/item3.xml><?xml version="1.0" encoding="utf-8"?>
 <ct:contentTypeSchema xmlns:ct="http://schemas.microsoft.com/office/2006/metadata/contentType" xmlns:ma="http://schemas.microsoft.com/office/2006/metadata/properties/metaAttributes" ct:_="" ma:_="" ma:contentTypeName="Document" ma:contentTypeID="0x01010079F111ED35F8CC479449609E8A0923A6" ma:contentTypeVersion="11" ma:contentTypeDescription="Create a new document." ma:contentTypeScope="" ma:versionID="1c2eb7a32e66fb6e4260f3771546a5e2">
   <xsd:schema xmlns:xsd="http://www.w3.org/2001/XMLSchema" xmlns:xs="http://www.w3.org/2001/XMLSchema" xmlns:p="http://schemas.microsoft.com/office/2006/metadata/properties" xmlns:ns2="71af3243-3dd4-4a8d-8c0d-dd76da1f02a5" xmlns:ns3="16c05727-aa75-4e4a-9b5f-8a80a1165891" targetNamespace="http://schemas.microsoft.com/office/2006/metadata/properties" ma:root="true" ma:fieldsID="04e1f6479c48b08974ba73b5ca973489" ns2:_="" ns3:_="">
     <xsd:import namespace="71af3243-3dd4-4a8d-8c0d-dd76da1f02a5"/>
@@ -14273,25 +14228,24 @@
 </ct:contentTypeSchema>
 </file>
 
-<file path=customXml/itemProps1.xml><?xml version="1.0" encoding="utf-8"?>
-<ds:datastoreItem xmlns:ds="http://schemas.openxmlformats.org/officeDocument/2006/customXml" ds:itemID="{BA0CF3B2-1F0F-4FC5-8002-3E4869ABAD55}">
-  <ds:schemaRefs>
-    <ds:schemaRef ds:uri="http://schemas.microsoft.com/sharepoint/v3/contenttype/forms"/>
-  </ds:schemaRefs>
-</ds:datastoreItem>
+<file path=customXml/item2.xml><?xml version="1.0" encoding="utf-8"?>
+<p:properties xmlns:p="http://schemas.microsoft.com/office/2006/metadata/properties" xmlns:xsi="http://www.w3.org/2001/XMLSchema-instance" xmlns:pc="http://schemas.microsoft.com/office/infopath/2007/PartnerControls">
+  <documentManagement>
+    <MediaServiceKeyPoints xmlns="71af3243-3dd4-4a8d-8c0d-dd76da1f02a5" xsi:nil="true"/>
+  </documentManagement>
+</p:properties>
 </file>
 
-<file path=customXml/itemProps2.xml><?xml version="1.0" encoding="utf-8"?>
-<ds:datastoreItem xmlns:ds="http://schemas.openxmlformats.org/officeDocument/2006/customXml" ds:itemID="{1EBC12AA-1C15-4500-BC9C-8EE83A441DE9}">
-  <ds:schemaRefs>
-    <ds:schemaRef ds:uri="http://schemas.microsoft.com/office/2006/metadata/properties"/>
-    <ds:schemaRef ds:uri="http://schemas.microsoft.com/office/infopath/2007/PartnerControls"/>
-    <ds:schemaRef ds:uri="71af3243-3dd4-4a8d-8c0d-dd76da1f02a5"/>
-  </ds:schemaRefs>
-</ds:datastoreItem>
+<file path=customXml/item3.xml><?xml version="1.0" encoding="utf-8"?>
+<?mso-contentType ?>
+<FormTemplates xmlns="http://schemas.microsoft.com/sharepoint/v3/contenttype/forms">
+  <Display>DocumentLibraryForm</Display>
+  <Edit>DocumentLibraryForm</Edit>
+  <New>DocumentLibraryForm</New>
+</FormTemplates>
 </file>
 
-<file path=customXml/itemProps3.xml><?xml version="1.0" encoding="utf-8"?>
+<file path=customXml/itemProps1.xml><?xml version="1.0" encoding="utf-8"?>
 <ds:datastoreItem xmlns:ds="http://schemas.openxmlformats.org/officeDocument/2006/customXml" ds:itemID="{1F69AFF4-BB30-4BA0-AD22-82CC3C43276B}">
   <ds:schemaRefs>
     <ds:schemaRef ds:uri="http://schemas.microsoft.com/office/2006/metadata/contentType"/>
@@ -14308,4 +14262,22 @@
     <ds:schemaRef ds:uri="http://schemas.microsoft.com/internal/obd"/>
   </ds:schemaRefs>
 </ds:datastoreItem>
+</file>
+
+<file path=customXml/itemProps2.xml><?xml version="1.0" encoding="utf-8"?>
+<ds:datastoreItem xmlns:ds="http://schemas.openxmlformats.org/officeDocument/2006/customXml" ds:itemID="{1EBC12AA-1C15-4500-BC9C-8EE83A441DE9}">
+  <ds:schemaRefs>
+    <ds:schemaRef ds:uri="http://schemas.microsoft.com/office/2006/metadata/properties"/>
+    <ds:schemaRef ds:uri="http://schemas.microsoft.com/office/infopath/2007/PartnerControls"/>
+    <ds:schemaRef ds:uri="71af3243-3dd4-4a8d-8c0d-dd76da1f02a5"/>
+  </ds:schemaRefs>
+</ds:datastoreItem>
+</file>
+
+<file path=customXml/itemProps3.xml><?xml version="1.0" encoding="utf-8"?>
+<ds:datastoreItem xmlns:ds="http://schemas.openxmlformats.org/officeDocument/2006/customXml" ds:itemID="{BA0CF3B2-1F0F-4FC5-8002-3E4869ABAD55}">
+  <ds:schemaRefs>
+    <ds:schemaRef ds:uri="http://schemas.microsoft.com/sharepoint/v3/contenttype/forms"/>
+  </ds:schemaRefs>
+</ds:datastoreItem>
 </file>